--- a/Lab2.pptx
+++ b/Lab2.pptx
@@ -7,10 +7,10 @@
     <p:sldMasterId id="2147483672" r:id="rId3"/>
   </p:sldMasterIdLst>
   <p:notesMasterIdLst>
-    <p:notesMasterId r:id="rId27"/>
+    <p:notesMasterId r:id="rId29"/>
   </p:notesMasterIdLst>
   <p:handoutMasterIdLst>
-    <p:handoutMasterId r:id="rId28"/>
+    <p:handoutMasterId r:id="rId30"/>
   </p:handoutMasterIdLst>
   <p:sldIdLst>
     <p:sldId id="256" r:id="rId4"/>
@@ -25,17 +25,19 @@
     <p:sldId id="263" r:id="rId13"/>
     <p:sldId id="264" r:id="rId14"/>
     <p:sldId id="265" r:id="rId15"/>
-    <p:sldId id="267" r:id="rId16"/>
-    <p:sldId id="279" r:id="rId17"/>
-    <p:sldId id="268" r:id="rId18"/>
-    <p:sldId id="274" r:id="rId19"/>
-    <p:sldId id="275" r:id="rId20"/>
-    <p:sldId id="271" r:id="rId21"/>
-    <p:sldId id="269" r:id="rId22"/>
-    <p:sldId id="270" r:id="rId23"/>
-    <p:sldId id="272" r:id="rId24"/>
-    <p:sldId id="273" r:id="rId25"/>
-    <p:sldId id="276" r:id="rId26"/>
+    <p:sldId id="280" r:id="rId16"/>
+    <p:sldId id="281" r:id="rId17"/>
+    <p:sldId id="267" r:id="rId18"/>
+    <p:sldId id="279" r:id="rId19"/>
+    <p:sldId id="268" r:id="rId20"/>
+    <p:sldId id="274" r:id="rId21"/>
+    <p:sldId id="275" r:id="rId22"/>
+    <p:sldId id="271" r:id="rId23"/>
+    <p:sldId id="269" r:id="rId24"/>
+    <p:sldId id="270" r:id="rId25"/>
+    <p:sldId id="272" r:id="rId26"/>
+    <p:sldId id="273" r:id="rId27"/>
+    <p:sldId id="276" r:id="rId28"/>
   </p:sldIdLst>
   <p:sldSz cx="10077450" cy="5668963"/>
   <p:notesSz cx="7559675" cy="10691813"/>
@@ -1442,7 +1444,7 @@
           <a:p>
             <a:pPr lvl="0"/>
             <a:fld id="{40C65A1E-3E21-468A-924C-C941DBD55C06}" type="slidenum">
-              <a:t>13</a:t>
+              <a:t>15</a:t>
             </a:fld>
             <a:r>
               <a:rPr lang="de-AT"/>
@@ -1662,7 +1664,7 @@
           <a:p>
             <a:pPr lvl="0"/>
             <a:fld id="{56AC4E05-B039-4204-9031-06B0FE5C4D13}" type="slidenum">
-              <a:t>15</a:t>
+              <a:t>17</a:t>
             </a:fld>
             <a:r>
               <a:rPr lang="de-AT"/>
@@ -1878,7 +1880,7 @@
           <a:p>
             <a:pPr lvl="0"/>
             <a:fld id="{3298BCB5-791C-4810-B1A5-336BB33348CD}" type="slidenum">
-              <a:t>16</a:t>
+              <a:t>18</a:t>
             </a:fld>
             <a:r>
               <a:rPr lang="de-AT"/>
@@ -2098,7 +2100,7 @@
           <a:p>
             <a:pPr lvl="0"/>
             <a:fld id="{0BFE85A7-E837-4C60-B4F7-C4E3BE917474}" type="slidenum">
-              <a:t>17</a:t>
+              <a:t>19</a:t>
             </a:fld>
             <a:r>
               <a:rPr lang="de-AT"/>
@@ -2318,7 +2320,7 @@
           <a:p>
             <a:pPr lvl="0"/>
             <a:fld id="{EB1B35A8-444B-4944-8049-2FACE46BED7E}" type="slidenum">
-              <a:t>18</a:t>
+              <a:t>20</a:t>
             </a:fld>
             <a:r>
               <a:rPr lang="de-AT"/>
@@ -2538,7 +2540,7 @@
           <a:p>
             <a:pPr lvl="0"/>
             <a:fld id="{F0828FE4-5E46-414E-9F35-4826CC3226B0}" type="slidenum">
-              <a:t>19</a:t>
+              <a:t>21</a:t>
             </a:fld>
             <a:r>
               <a:rPr lang="de-AT"/>
@@ -2758,7 +2760,7 @@
           <a:p>
             <a:pPr lvl="0"/>
             <a:fld id="{A931AE5D-7FC6-428D-BA68-B3686AE773F9}" type="slidenum">
-              <a:t>20</a:t>
+              <a:t>22</a:t>
             </a:fld>
             <a:r>
               <a:rPr lang="de-AT"/>
@@ -2978,7 +2980,7 @@
           <a:p>
             <a:pPr lvl="0"/>
             <a:fld id="{8181C227-661A-432F-A2BD-9B62279E01C0}" type="slidenum">
-              <a:t>21</a:t>
+              <a:t>23</a:t>
             </a:fld>
             <a:r>
               <a:rPr lang="de-AT"/>
@@ -3198,7 +3200,7 @@
           <a:p>
             <a:pPr lvl="0"/>
             <a:fld id="{833A63AC-A662-43D0-9BC8-CFAF729C337B}" type="slidenum">
-              <a:t>22</a:t>
+              <a:t>24</a:t>
             </a:fld>
             <a:r>
               <a:rPr lang="de-AT"/>
@@ -3638,7 +3640,7 @@
           <a:p>
             <a:pPr lvl="0"/>
             <a:fld id="{8E939E2A-A1E2-44AF-808C-CB10B30C8432}" type="slidenum">
-              <a:t>23</a:t>
+              <a:t>25</a:t>
             </a:fld>
             <a:r>
               <a:rPr lang="de-AT"/>
@@ -16372,7 +16374,7 @@
 
 <file path=ppt/slides/slide13.xml><?xml version="1.0" encoding="utf-8"?>
 <p:sld xmlns:a="http://schemas.openxmlformats.org/drawingml/2006/main" xmlns:r="http://schemas.openxmlformats.org/officeDocument/2006/relationships" xmlns:p="http://schemas.openxmlformats.org/presentationml/2006/main">
-  <p:cSld name="page12">
+  <p:cSld>
     <p:spTree>
       <p:nvGrpSpPr>
         <p:cNvPr id="1" name=""/>
@@ -16392,107 +16394,116 @@
           <p:cNvPr id="2" name="Title 1">
             <a:extLst>
               <a:ext uri="{FF2B5EF4-FFF2-40B4-BE49-F238E27FC236}">
-                <a16:creationId xmlns:a16="http://schemas.microsoft.com/office/drawing/2014/main" id="{C073B601-9566-C891-D2EA-3F0C38B5C529}"/>
-              </a:ext>
-            </a:extLst>
-          </p:cNvPr>
-          <p:cNvSpPr txBox="1">
-            <a:spLocks noGrp="1"/>
-          </p:cNvSpPr>
-          <p:nvPr>
-            <p:ph type="title" idx="4294967295"/>
+                <a16:creationId xmlns:a16="http://schemas.microsoft.com/office/drawing/2014/main" id="{690CCDFE-9A86-65B5-1E6B-23489BA1BC49}"/>
+              </a:ext>
+            </a:extLst>
+          </p:cNvPr>
+          <p:cNvSpPr>
+            <a:spLocks noGrp="1"/>
+          </p:cNvSpPr>
+          <p:nvPr>
+            <p:ph type="title"/>
           </p:nvPr>
         </p:nvSpPr>
         <p:spPr/>
         <p:txBody>
-          <a:bodyPr vert="horz"/>
-          <a:lstStyle/>
-          <a:p>
-            <a:pPr lvl="0" rtl="0"/>
-            <a:r>
-              <a:rPr lang="en-US"/>
-              <a:t>Exercise 1: Saffir–Simpson Scale</a:t>
-            </a:r>
+          <a:bodyPr/>
+          <a:lstStyle/>
+          <a:p>
+            <a:r>
+              <a:rPr lang="en-US" dirty="0"/>
+              <a:t>Formatted Strings</a:t>
+            </a:r>
+          </a:p>
+        </p:txBody>
+      </p:sp>
+      <p:sp>
+        <p:nvSpPr>
+          <p:cNvPr id="3" name="Content Placeholder 2">
+            <a:extLst>
+              <a:ext uri="{FF2B5EF4-FFF2-40B4-BE49-F238E27FC236}">
+                <a16:creationId xmlns:a16="http://schemas.microsoft.com/office/drawing/2014/main" id="{1A08E177-8036-A160-5F61-A0E82B7F900A}"/>
+              </a:ext>
+            </a:extLst>
+          </p:cNvPr>
+          <p:cNvSpPr>
+            <a:spLocks noGrp="1"/>
+          </p:cNvSpPr>
+          <p:nvPr>
+            <p:ph idx="1"/>
+          </p:nvPr>
+        </p:nvSpPr>
+        <p:spPr/>
+        <p:txBody>
+          <a:bodyPr>
+            <a:normAutofit/>
+          </a:bodyPr>
+          <a:lstStyle/>
+          <a:p>
+            <a:r>
+              <a:rPr lang="en-US" sz="1600" dirty="0"/>
+              <a:t>Python offers standard strings, just stuff under quotes, and there are also formatted string which allow you to inject variables directly into strings and format numeric output if you wish. All you have to do is...:</a:t>
+            </a:r>
+          </a:p>
+          <a:p>
+            <a:endParaRPr lang="en-US" sz="1600" dirty="0"/>
+          </a:p>
+          <a:p>
+            <a:r>
+              <a:rPr lang="en-US" sz="1600" dirty="0"/>
+              <a:t>put a lower-case f in front of the opening quote</a:t>
+            </a:r>
+          </a:p>
+          <a:p>
+            <a:r>
+              <a:rPr lang="en-US" sz="1600" dirty="0"/>
+              <a:t>put any variables you want embedded in the string inside curly braces, {}</a:t>
+            </a:r>
+          </a:p>
+          <a:p>
+            <a:endParaRPr lang="en-US" sz="1600" dirty="0"/>
+          </a:p>
+          <a:p>
+            <a:endParaRPr lang="en-US" sz="1600" dirty="0"/>
           </a:p>
         </p:txBody>
       </p:sp>
       <p:pic>
         <p:nvPicPr>
-          <p:cNvPr id="3" name="Picture Placeholder 2">
-            <a:extLst>
-              <a:ext uri="{FF2B5EF4-FFF2-40B4-BE49-F238E27FC236}">
-                <a16:creationId xmlns:a16="http://schemas.microsoft.com/office/drawing/2014/main" id="{5F9158C0-4D63-6894-8AE3-8ACFD2796734}"/>
+          <p:cNvPr id="5" name="Picture 4">
+            <a:extLst>
+              <a:ext uri="{FF2B5EF4-FFF2-40B4-BE49-F238E27FC236}">
+                <a16:creationId xmlns:a16="http://schemas.microsoft.com/office/drawing/2014/main" id="{1EA7DF32-AAE6-4F82-696C-0C14FAA075E9}"/>
               </a:ext>
             </a:extLst>
           </p:cNvPr>
           <p:cNvPicPr>
-            <a:picLocks noGrp="1" noChangeAspect="1"/>
+            <a:picLocks noChangeAspect="1"/>
           </p:cNvPicPr>
-          <p:nvPr>
-            <p:ph type="pic" idx="4294967295"/>
-          </p:nvPr>
+          <p:nvPr/>
         </p:nvPicPr>
         <p:blipFill>
-          <a:blip r:embed="rId3">
-            <a:lum/>
-            <a:alphaModFix/>
-          </a:blip>
-          <a:srcRect/>
+          <a:blip r:embed="rId2"/>
           <a:stretch>
             <a:fillRect/>
           </a:stretch>
         </p:blipFill>
         <p:spPr>
           <a:xfrm>
-            <a:off x="770760" y="1439280"/>
-            <a:ext cx="3927960" cy="3509639"/>
+            <a:off x="651405" y="3429080"/>
+            <a:ext cx="4271659" cy="1774844"/>
           </a:xfrm>
+          <a:prstGeom prst="rect">
+            <a:avLst/>
+          </a:prstGeom>
         </p:spPr>
       </p:pic>
-      <p:sp>
-        <p:nvSpPr>
-          <p:cNvPr id="4" name="Text Placeholder 3">
-            <a:extLst>
-              <a:ext uri="{FF2B5EF4-FFF2-40B4-BE49-F238E27FC236}">
-                <a16:creationId xmlns:a16="http://schemas.microsoft.com/office/drawing/2014/main" id="{854E8B79-8720-189F-3054-22D768BD6736}"/>
-              </a:ext>
-            </a:extLst>
-          </p:cNvPr>
-          <p:cNvSpPr txBox="1">
-            <a:spLocks noGrp="1"/>
-          </p:cNvSpPr>
-          <p:nvPr>
-            <p:ph type="body" idx="4294967295"/>
-          </p:nvPr>
-        </p:nvSpPr>
-        <p:spPr>
-          <a:xfrm>
-            <a:off x="5150160" y="1439639"/>
-            <a:ext cx="4390560" cy="1673999"/>
-          </a:xfrm>
-        </p:spPr>
-        <p:txBody>
-          <a:bodyPr vert="horz">
-            <a:normAutofit lnSpcReduction="10000"/>
-          </a:bodyPr>
-          <a:lstStyle/>
-          <a:p>
-            <a:pPr lvl="0" rtl="0">
-              <a:buClr>
-                <a:srgbClr val="009EDA"/>
-              </a:buClr>
-              <a:buSzPct val="45000"/>
-              <a:buFont typeface="OpenSymbol"/>
-              <a:buChar char="●"/>
-            </a:pPr>
-            <a:r>
-              <a:rPr lang="de-AT"/>
-              <a:t>Obtain a wind speed from the user and tell them either what category or type if it's just a tropical storm. If the wind speed is invalid, print an error.</a:t>
-            </a:r>
-          </a:p>
-        </p:txBody>
-      </p:sp>
     </p:spTree>
+    <p:extLst>
+      <p:ext uri="{BB962C8B-B14F-4D97-AF65-F5344CB8AC3E}">
+        <p14:creationId xmlns:p14="http://schemas.microsoft.com/office/powerpoint/2010/main" val="2778558483"/>
+      </p:ext>
+    </p:extLst>
   </p:cSld>
   <p:clrMapOvr>
     <a:masterClrMapping/>
@@ -16517,6 +16528,260 @@
           <a:chExt cx="0" cy="0"/>
         </a:xfrm>
       </p:grpSpPr>
+      <p:sp>
+        <p:nvSpPr>
+          <p:cNvPr id="2" name="Title 1">
+            <a:extLst>
+              <a:ext uri="{FF2B5EF4-FFF2-40B4-BE49-F238E27FC236}">
+                <a16:creationId xmlns:a16="http://schemas.microsoft.com/office/drawing/2014/main" id="{49CB4ED7-56B4-C404-7C0C-5472E65B7867}"/>
+              </a:ext>
+            </a:extLst>
+          </p:cNvPr>
+          <p:cNvSpPr>
+            <a:spLocks noGrp="1"/>
+          </p:cNvSpPr>
+          <p:nvPr>
+            <p:ph type="title"/>
+          </p:nvPr>
+        </p:nvSpPr>
+        <p:spPr/>
+        <p:txBody>
+          <a:bodyPr/>
+          <a:lstStyle/>
+          <a:p>
+            <a:r>
+              <a:rPr lang="en-US" dirty="0"/>
+              <a:t>Formatted Strings</a:t>
+            </a:r>
+          </a:p>
+        </p:txBody>
+      </p:sp>
+      <p:sp>
+        <p:nvSpPr>
+          <p:cNvPr id="3" name="Content Placeholder 2">
+            <a:extLst>
+              <a:ext uri="{FF2B5EF4-FFF2-40B4-BE49-F238E27FC236}">
+                <a16:creationId xmlns:a16="http://schemas.microsoft.com/office/drawing/2014/main" id="{476C8FAC-4D57-6A22-2D1E-A9BFB55B8DE7}"/>
+              </a:ext>
+            </a:extLst>
+          </p:cNvPr>
+          <p:cNvSpPr>
+            <a:spLocks noGrp="1"/>
+          </p:cNvSpPr>
+          <p:nvPr>
+            <p:ph idx="1"/>
+          </p:nvPr>
+        </p:nvSpPr>
+        <p:spPr/>
+        <p:txBody>
+          <a:bodyPr>
+            <a:normAutofit/>
+          </a:bodyPr>
+          <a:lstStyle/>
+          <a:p>
+            <a:r>
+              <a:rPr lang="en-US" sz="1600" dirty="0"/>
+              <a:t>NOTE: There is a built in round() function, but it can do some undesirable stuff when it comes to formatting. See below.</a:t>
+            </a:r>
+          </a:p>
+          <a:p>
+            <a:endParaRPr lang="en-US" sz="1600" dirty="0"/>
+          </a:p>
+          <a:p>
+            <a:endParaRPr lang="en-US" sz="1600" dirty="0"/>
+          </a:p>
+        </p:txBody>
+      </p:sp>
+      <p:pic>
+        <p:nvPicPr>
+          <p:cNvPr id="5" name="Picture 4">
+            <a:extLst>
+              <a:ext uri="{FF2B5EF4-FFF2-40B4-BE49-F238E27FC236}">
+                <a16:creationId xmlns:a16="http://schemas.microsoft.com/office/drawing/2014/main" id="{9F69F566-49BD-B9A9-8050-CF4CE6A45651}"/>
+              </a:ext>
+            </a:extLst>
+          </p:cNvPr>
+          <p:cNvPicPr>
+            <a:picLocks noChangeAspect="1"/>
+          </p:cNvPicPr>
+          <p:nvPr/>
+        </p:nvPicPr>
+        <p:blipFill>
+          <a:blip r:embed="rId2"/>
+          <a:stretch>
+            <a:fillRect/>
+          </a:stretch>
+        </p:blipFill>
+        <p:spPr>
+          <a:xfrm>
+            <a:off x="539640" y="2198169"/>
+            <a:ext cx="7039957" cy="2562583"/>
+          </a:xfrm>
+          <a:prstGeom prst="rect">
+            <a:avLst/>
+          </a:prstGeom>
+        </p:spPr>
+      </p:pic>
+    </p:spTree>
+    <p:extLst>
+      <p:ext uri="{BB962C8B-B14F-4D97-AF65-F5344CB8AC3E}">
+        <p14:creationId xmlns:p14="http://schemas.microsoft.com/office/powerpoint/2010/main" val="703031823"/>
+      </p:ext>
+    </p:extLst>
+  </p:cSld>
+  <p:clrMapOvr>
+    <a:masterClrMapping/>
+  </p:clrMapOvr>
+</p:sld>
+</file>
+
+<file path=ppt/slides/slide15.xml><?xml version="1.0" encoding="utf-8"?>
+<p:sld xmlns:a="http://schemas.openxmlformats.org/drawingml/2006/main" xmlns:r="http://schemas.openxmlformats.org/officeDocument/2006/relationships" xmlns:p="http://schemas.openxmlformats.org/presentationml/2006/main">
+  <p:cSld name="page12">
+    <p:spTree>
+      <p:nvGrpSpPr>
+        <p:cNvPr id="1" name=""/>
+        <p:cNvGrpSpPr/>
+        <p:nvPr/>
+      </p:nvGrpSpPr>
+      <p:grpSpPr>
+        <a:xfrm>
+          <a:off x="0" y="0"/>
+          <a:ext cx="0" cy="0"/>
+          <a:chOff x="0" y="0"/>
+          <a:chExt cx="0" cy="0"/>
+        </a:xfrm>
+      </p:grpSpPr>
+      <p:sp>
+        <p:nvSpPr>
+          <p:cNvPr id="2" name="Title 1">
+            <a:extLst>
+              <a:ext uri="{FF2B5EF4-FFF2-40B4-BE49-F238E27FC236}">
+                <a16:creationId xmlns:a16="http://schemas.microsoft.com/office/drawing/2014/main" id="{C073B601-9566-C891-D2EA-3F0C38B5C529}"/>
+              </a:ext>
+            </a:extLst>
+          </p:cNvPr>
+          <p:cNvSpPr txBox="1">
+            <a:spLocks noGrp="1"/>
+          </p:cNvSpPr>
+          <p:nvPr>
+            <p:ph type="title" idx="4294967295"/>
+          </p:nvPr>
+        </p:nvSpPr>
+        <p:spPr/>
+        <p:txBody>
+          <a:bodyPr vert="horz"/>
+          <a:lstStyle/>
+          <a:p>
+            <a:pPr lvl="0" rtl="0"/>
+            <a:r>
+              <a:rPr lang="en-US"/>
+              <a:t>Exercise 1: Saffir–Simpson Scale</a:t>
+            </a:r>
+          </a:p>
+        </p:txBody>
+      </p:sp>
+      <p:pic>
+        <p:nvPicPr>
+          <p:cNvPr id="3" name="Picture Placeholder 2">
+            <a:extLst>
+              <a:ext uri="{FF2B5EF4-FFF2-40B4-BE49-F238E27FC236}">
+                <a16:creationId xmlns:a16="http://schemas.microsoft.com/office/drawing/2014/main" id="{5F9158C0-4D63-6894-8AE3-8ACFD2796734}"/>
+              </a:ext>
+            </a:extLst>
+          </p:cNvPr>
+          <p:cNvPicPr>
+            <a:picLocks noGrp="1" noChangeAspect="1"/>
+          </p:cNvPicPr>
+          <p:nvPr>
+            <p:ph type="pic" idx="4294967295"/>
+          </p:nvPr>
+        </p:nvPicPr>
+        <p:blipFill>
+          <a:blip r:embed="rId3">
+            <a:lum/>
+            <a:alphaModFix/>
+          </a:blip>
+          <a:srcRect/>
+          <a:stretch>
+            <a:fillRect/>
+          </a:stretch>
+        </p:blipFill>
+        <p:spPr>
+          <a:xfrm>
+            <a:off x="770760" y="1439280"/>
+            <a:ext cx="3927960" cy="3509639"/>
+          </a:xfrm>
+        </p:spPr>
+      </p:pic>
+      <p:sp>
+        <p:nvSpPr>
+          <p:cNvPr id="4" name="Text Placeholder 3">
+            <a:extLst>
+              <a:ext uri="{FF2B5EF4-FFF2-40B4-BE49-F238E27FC236}">
+                <a16:creationId xmlns:a16="http://schemas.microsoft.com/office/drawing/2014/main" id="{854E8B79-8720-189F-3054-22D768BD6736}"/>
+              </a:ext>
+            </a:extLst>
+          </p:cNvPr>
+          <p:cNvSpPr txBox="1">
+            <a:spLocks noGrp="1"/>
+          </p:cNvSpPr>
+          <p:nvPr>
+            <p:ph type="body" idx="4294967295"/>
+          </p:nvPr>
+        </p:nvSpPr>
+        <p:spPr>
+          <a:xfrm>
+            <a:off x="5150160" y="1439639"/>
+            <a:ext cx="4390560" cy="1673999"/>
+          </a:xfrm>
+        </p:spPr>
+        <p:txBody>
+          <a:bodyPr vert="horz">
+            <a:normAutofit lnSpcReduction="10000"/>
+          </a:bodyPr>
+          <a:lstStyle/>
+          <a:p>
+            <a:pPr lvl="0" rtl="0">
+              <a:buClr>
+                <a:srgbClr val="009EDA"/>
+              </a:buClr>
+              <a:buSzPct val="45000"/>
+              <a:buFont typeface="OpenSymbol"/>
+              <a:buChar char="●"/>
+            </a:pPr>
+            <a:r>
+              <a:rPr lang="de-AT"/>
+              <a:t>Obtain a wind speed from the user and tell them either what category or type if it's just a tropical storm. If the wind speed is invalid, print an error.</a:t>
+            </a:r>
+          </a:p>
+        </p:txBody>
+      </p:sp>
+    </p:spTree>
+  </p:cSld>
+  <p:clrMapOvr>
+    <a:masterClrMapping/>
+  </p:clrMapOvr>
+</p:sld>
+</file>
+
+<file path=ppt/slides/slide16.xml><?xml version="1.0" encoding="utf-8"?>
+<p:sld xmlns:a="http://schemas.openxmlformats.org/drawingml/2006/main" xmlns:r="http://schemas.openxmlformats.org/officeDocument/2006/relationships" xmlns:p="http://schemas.openxmlformats.org/presentationml/2006/main">
+  <p:cSld>
+    <p:spTree>
+      <p:nvGrpSpPr>
+        <p:cNvPr id="1" name=""/>
+        <p:cNvGrpSpPr/>
+        <p:nvPr/>
+      </p:nvGrpSpPr>
+      <p:grpSpPr>
+        <a:xfrm>
+          <a:off x="0" y="0"/>
+          <a:ext cx="0" cy="0"/>
+          <a:chOff x="0" y="0"/>
+          <a:chExt cx="0" cy="0"/>
+        </a:xfrm>
+      </p:grpSpPr>
       <p:pic>
         <p:nvPicPr>
           <p:cNvPr id="2" name="Picture 1">
@@ -16568,7 +16833,7 @@
 </p:sld>
 </file>
 
-<file path=ppt/slides/slide15.xml><?xml version="1.0" encoding="utf-8"?>
+<file path=ppt/slides/slide17.xml><?xml version="1.0" encoding="utf-8"?>
 <p:sld xmlns:a="http://schemas.openxmlformats.org/drawingml/2006/main" xmlns:r="http://schemas.openxmlformats.org/officeDocument/2006/relationships" xmlns:p="http://schemas.openxmlformats.org/presentationml/2006/main">
   <p:cSld name="page13">
     <p:spTree>
@@ -16729,7 +16994,7 @@
 </p:sld>
 </file>
 
-<file path=ppt/slides/slide16.xml><?xml version="1.0" encoding="utf-8"?>
+<file path=ppt/slides/slide18.xml><?xml version="1.0" encoding="utf-8"?>
 <p:sld xmlns:a="http://schemas.openxmlformats.org/drawingml/2006/main" xmlns:r="http://schemas.openxmlformats.org/officeDocument/2006/relationships" xmlns:p="http://schemas.openxmlformats.org/presentationml/2006/main">
   <p:cSld name="page19">
     <p:spTree>
@@ -16885,7 +17150,7 @@
 </p:sld>
 </file>
 
-<file path=ppt/slides/slide17.xml><?xml version="1.0" encoding="utf-8"?>
+<file path=ppt/slides/slide19.xml><?xml version="1.0" encoding="utf-8"?>
 <p:sld xmlns:a="http://schemas.openxmlformats.org/drawingml/2006/main" xmlns:r="http://schemas.openxmlformats.org/officeDocument/2006/relationships" xmlns:p="http://schemas.openxmlformats.org/presentationml/2006/main">
   <p:cSld name="page20">
     <p:spTree>
@@ -16997,320 +17262,6 @@
           </a:xfrm>
         </p:spPr>
       </p:pic>
-    </p:spTree>
-  </p:cSld>
-  <p:clrMapOvr>
-    <a:masterClrMapping/>
-  </p:clrMapOvr>
-</p:sld>
-</file>
-
-<file path=ppt/slides/slide18.xml><?xml version="1.0" encoding="utf-8"?>
-<p:sld xmlns:a="http://schemas.openxmlformats.org/drawingml/2006/main" xmlns:r="http://schemas.openxmlformats.org/officeDocument/2006/relationships" xmlns:p="http://schemas.openxmlformats.org/presentationml/2006/main">
-  <p:cSld name="page16">
-    <p:spTree>
-      <p:nvGrpSpPr>
-        <p:cNvPr id="1" name=""/>
-        <p:cNvGrpSpPr/>
-        <p:nvPr/>
-      </p:nvGrpSpPr>
-      <p:grpSpPr>
-        <a:xfrm>
-          <a:off x="0" y="0"/>
-          <a:ext cx="0" cy="0"/>
-          <a:chOff x="0" y="0"/>
-          <a:chExt cx="0" cy="0"/>
-        </a:xfrm>
-      </p:grpSpPr>
-      <p:sp>
-        <p:nvSpPr>
-          <p:cNvPr id="2" name="Title 1">
-            <a:extLst>
-              <a:ext uri="{FF2B5EF4-FFF2-40B4-BE49-F238E27FC236}">
-                <a16:creationId xmlns:a16="http://schemas.microsoft.com/office/drawing/2014/main" id="{04E9BE29-8709-BD05-74F8-726512CCF733}"/>
-              </a:ext>
-            </a:extLst>
-          </p:cNvPr>
-          <p:cNvSpPr txBox="1">
-            <a:spLocks noGrp="1"/>
-          </p:cNvSpPr>
-          <p:nvPr>
-            <p:ph type="title" idx="4294967295"/>
-          </p:nvPr>
-        </p:nvSpPr>
-        <p:spPr/>
-        <p:txBody>
-          <a:bodyPr vert="horz"/>
-          <a:lstStyle/>
-          <a:p>
-            <a:pPr lvl="0" rtl="0"/>
-            <a:r>
-              <a:rPr lang="en-US" dirty="0"/>
-              <a:t>Exercise 4: Restaurant</a:t>
-            </a:r>
-          </a:p>
-        </p:txBody>
-      </p:sp>
-      <p:sp>
-        <p:nvSpPr>
-          <p:cNvPr id="3" name="Text Placeholder 2">
-            <a:extLst>
-              <a:ext uri="{FF2B5EF4-FFF2-40B4-BE49-F238E27FC236}">
-                <a16:creationId xmlns:a16="http://schemas.microsoft.com/office/drawing/2014/main" id="{C7AE15B2-99DB-5D5B-F30A-CBB15FBF07F5}"/>
-              </a:ext>
-            </a:extLst>
-          </p:cNvPr>
-          <p:cNvSpPr txBox="1">
-            <a:spLocks noGrp="1"/>
-          </p:cNvSpPr>
-          <p:nvPr>
-            <p:ph type="body" idx="4294967295"/>
-          </p:nvPr>
-        </p:nvSpPr>
-        <p:spPr>
-          <a:xfrm>
-            <a:off x="311040" y="1439639"/>
-            <a:ext cx="9290160" cy="3818160"/>
-          </a:xfrm>
-        </p:spPr>
-        <p:txBody>
-          <a:bodyPr vert="horz"/>
-          <a:lstStyle/>
-          <a:p>
-            <a:pPr lvl="0" rtl="0">
-              <a:buClr>
-                <a:srgbClr val="009EDA"/>
-              </a:buClr>
-              <a:buSzPct val="45000"/>
-              <a:buFont typeface="OpenSymbol"/>
-              <a:buChar char="●"/>
-            </a:pPr>
-            <a:r>
-              <a:rPr lang="de-AT"/>
-              <a:t>Display a cost per item (before any discounts), a subtotal (before any discounts), a tax amount, a discount amount, and a grand total</a:t>
-            </a:r>
-          </a:p>
-          <a:p>
-            <a:pPr marL="0" lvl="1" indent="0" hangingPunct="0">
-              <a:spcBef>
-                <a:spcPts val="0"/>
-              </a:spcBef>
-              <a:spcAft>
-                <a:spcPts val="1052"/>
-              </a:spcAft>
-              <a:buClr>
-                <a:srgbClr val="009EDA"/>
-              </a:buClr>
-              <a:buSzPct val="45000"/>
-              <a:buFont typeface="OpenSymbol"/>
-              <a:buChar char="●"/>
-            </a:pPr>
-            <a:r>
-              <a:rPr lang="de-AT">
-                <a:latin typeface="Noto Sans" pitchFamily="2"/>
-              </a:rPr>
-              <a:t>Tax is 8%</a:t>
-            </a:r>
-          </a:p>
-          <a:p>
-            <a:pPr marL="0" lvl="1" indent="0" hangingPunct="0">
-              <a:spcBef>
-                <a:spcPts val="0"/>
-              </a:spcBef>
-              <a:spcAft>
-                <a:spcPts val="1052"/>
-              </a:spcAft>
-              <a:buClr>
-                <a:srgbClr val="009EDA"/>
-              </a:buClr>
-              <a:buSzPct val="45000"/>
-              <a:buFont typeface="OpenSymbol"/>
-              <a:buChar char="●"/>
-            </a:pPr>
-            <a:r>
-              <a:rPr lang="de-AT">
-                <a:latin typeface="Noto Sans" pitchFamily="2"/>
-              </a:rPr>
-              <a:t>Subtotal Includes tax</a:t>
-            </a:r>
-          </a:p>
-        </p:txBody>
-      </p:sp>
-    </p:spTree>
-  </p:cSld>
-  <p:clrMapOvr>
-    <a:masterClrMapping/>
-  </p:clrMapOvr>
-</p:sld>
-</file>
-
-<file path=ppt/slides/slide19.xml><?xml version="1.0" encoding="utf-8"?>
-<p:sld xmlns:a="http://schemas.openxmlformats.org/drawingml/2006/main" xmlns:r="http://schemas.openxmlformats.org/officeDocument/2006/relationships" xmlns:p="http://schemas.openxmlformats.org/presentationml/2006/main">
-  <p:cSld name="page14">
-    <p:spTree>
-      <p:nvGrpSpPr>
-        <p:cNvPr id="1" name=""/>
-        <p:cNvGrpSpPr/>
-        <p:nvPr/>
-      </p:nvGrpSpPr>
-      <p:grpSpPr>
-        <a:xfrm>
-          <a:off x="0" y="0"/>
-          <a:ext cx="0" cy="0"/>
-          <a:chOff x="0" y="0"/>
-          <a:chExt cx="0" cy="0"/>
-        </a:xfrm>
-      </p:grpSpPr>
-      <p:sp>
-        <p:nvSpPr>
-          <p:cNvPr id="2" name="Title 1">
-            <a:extLst>
-              <a:ext uri="{FF2B5EF4-FFF2-40B4-BE49-F238E27FC236}">
-                <a16:creationId xmlns:a16="http://schemas.microsoft.com/office/drawing/2014/main" id="{F27DADE6-39F1-18BC-0D38-16E5E39A1981}"/>
-              </a:ext>
-            </a:extLst>
-          </p:cNvPr>
-          <p:cNvSpPr txBox="1">
-            <a:spLocks noGrp="1"/>
-          </p:cNvSpPr>
-          <p:nvPr>
-            <p:ph type="title" idx="4294967295"/>
-          </p:nvPr>
-        </p:nvSpPr>
-        <p:spPr/>
-        <p:txBody>
-          <a:bodyPr vert="horz"/>
-          <a:lstStyle/>
-          <a:p>
-            <a:pPr lvl="0" rtl="0"/>
-            <a:r>
-              <a:rPr lang="en-US" dirty="0"/>
-              <a:t>EECS 169 Exercise 4: Restaurant</a:t>
-            </a:r>
-          </a:p>
-        </p:txBody>
-      </p:sp>
-      <p:sp>
-        <p:nvSpPr>
-          <p:cNvPr id="3" name="Text Placeholder 2">
-            <a:extLst>
-              <a:ext uri="{FF2B5EF4-FFF2-40B4-BE49-F238E27FC236}">
-                <a16:creationId xmlns:a16="http://schemas.microsoft.com/office/drawing/2014/main" id="{7760B254-ECFB-E0E3-E274-85BDE7C0F155}"/>
-              </a:ext>
-            </a:extLst>
-          </p:cNvPr>
-          <p:cNvSpPr txBox="1">
-            <a:spLocks noGrp="1"/>
-          </p:cNvSpPr>
-          <p:nvPr>
-            <p:ph type="body" idx="4294967295"/>
-          </p:nvPr>
-        </p:nvSpPr>
-        <p:spPr>
-          <a:xfrm>
-            <a:off x="311040" y="1439639"/>
-            <a:ext cx="9290160" cy="3818160"/>
-          </a:xfrm>
-        </p:spPr>
-        <p:txBody>
-          <a:bodyPr vert="horz"/>
-          <a:lstStyle/>
-          <a:p>
-            <a:pPr lvl="0" rtl="0">
-              <a:buClr>
-                <a:srgbClr val="009EDA"/>
-              </a:buClr>
-              <a:buSzPct val="45000"/>
-              <a:buFont typeface="OpenSymbol"/>
-              <a:buChar char="●"/>
-            </a:pPr>
-            <a:r>
-              <a:rPr lang="de-AT" dirty="0"/>
-              <a:t>You will open a restaurant that sells three items: Cold Pasta, Grilled Cheese, and Pie. Your restaurant will do the following:</a:t>
-            </a:r>
-          </a:p>
-          <a:p>
-            <a:pPr lvl="0" rtl="0">
-              <a:buClr>
-                <a:srgbClr val="009EDA"/>
-              </a:buClr>
-              <a:buSzPct val="45000"/>
-              <a:buFont typeface="OpenSymbol"/>
-              <a:buChar char="●"/>
-            </a:pPr>
-            <a:r>
-              <a:rPr lang="de-AT" dirty="0"/>
-              <a:t> Ask the user if they want Cold Pasta, Grilled Cheese, and Pie</a:t>
-            </a:r>
-          </a:p>
-          <a:p>
-            <a:pPr marL="0" lvl="1" indent="0" hangingPunct="0">
-              <a:spcBef>
-                <a:spcPts val="0"/>
-              </a:spcBef>
-              <a:spcAft>
-                <a:spcPts val="1052"/>
-              </a:spcAft>
-              <a:buClr>
-                <a:srgbClr val="009EDA"/>
-              </a:buClr>
-              <a:buSzPct val="45000"/>
-              <a:buFont typeface="OpenSymbol"/>
-              <a:buChar char="●"/>
-            </a:pPr>
-            <a:r>
-              <a:rPr lang="de-AT" dirty="0">
-                <a:latin typeface="Noto Sans" pitchFamily="2"/>
-              </a:rPr>
-              <a:t>In all cases, you are prompting them for a yes/no answer. For yes they can type 'y' or 'Y', and for no they can type 'n' or 'N'</a:t>
-            </a:r>
-          </a:p>
-          <a:p>
-            <a:pPr marL="0" lvl="1" indent="0" hangingPunct="0">
-              <a:spcBef>
-                <a:spcPts val="0"/>
-              </a:spcBef>
-              <a:spcAft>
-                <a:spcPts val="1052"/>
-              </a:spcAft>
-              <a:buClr>
-                <a:srgbClr val="009EDA"/>
-              </a:buClr>
-              <a:buSzPct val="45000"/>
-              <a:buFont typeface="OpenSymbol"/>
-              <a:buChar char="●"/>
-            </a:pPr>
-            <a:r>
-              <a:rPr lang="de-AT" dirty="0">
-                <a:latin typeface="Noto Sans" pitchFamily="2"/>
-              </a:rPr>
-              <a:t>If they want an item, find out how many</a:t>
-            </a:r>
-          </a:p>
-          <a:p>
-            <a:pPr marL="0" lvl="1" indent="0" hangingPunct="0">
-              <a:spcBef>
-                <a:spcPts val="0"/>
-              </a:spcBef>
-              <a:spcAft>
-                <a:spcPts val="1052"/>
-              </a:spcAft>
-              <a:buClr>
-                <a:srgbClr val="009EDA"/>
-              </a:buClr>
-              <a:buSzPct val="45000"/>
-              <a:buFont typeface="OpenSymbol"/>
-              <a:buChar char="●"/>
-            </a:pPr>
-            <a:r>
-              <a:rPr lang="de-AT" dirty="0">
-                <a:latin typeface="Noto Sans" pitchFamily="2"/>
-              </a:rPr>
-              <a:t>The user must not be allowed to order less than zero of an item, if they do, simply set the amount they order to zero.</a:t>
-            </a:r>
-          </a:p>
-        </p:txBody>
-      </p:sp>
     </p:spTree>
   </p:cSld>
   <p:clrMapOvr>
@@ -17471,6 +17422,320 @@
 
 <file path=ppt/slides/slide20.xml><?xml version="1.0" encoding="utf-8"?>
 <p:sld xmlns:a="http://schemas.openxmlformats.org/drawingml/2006/main" xmlns:r="http://schemas.openxmlformats.org/officeDocument/2006/relationships" xmlns:p="http://schemas.openxmlformats.org/presentationml/2006/main">
+  <p:cSld name="page16">
+    <p:spTree>
+      <p:nvGrpSpPr>
+        <p:cNvPr id="1" name=""/>
+        <p:cNvGrpSpPr/>
+        <p:nvPr/>
+      </p:nvGrpSpPr>
+      <p:grpSpPr>
+        <a:xfrm>
+          <a:off x="0" y="0"/>
+          <a:ext cx="0" cy="0"/>
+          <a:chOff x="0" y="0"/>
+          <a:chExt cx="0" cy="0"/>
+        </a:xfrm>
+      </p:grpSpPr>
+      <p:sp>
+        <p:nvSpPr>
+          <p:cNvPr id="2" name="Title 1">
+            <a:extLst>
+              <a:ext uri="{FF2B5EF4-FFF2-40B4-BE49-F238E27FC236}">
+                <a16:creationId xmlns:a16="http://schemas.microsoft.com/office/drawing/2014/main" id="{04E9BE29-8709-BD05-74F8-726512CCF733}"/>
+              </a:ext>
+            </a:extLst>
+          </p:cNvPr>
+          <p:cNvSpPr txBox="1">
+            <a:spLocks noGrp="1"/>
+          </p:cNvSpPr>
+          <p:nvPr>
+            <p:ph type="title" idx="4294967295"/>
+          </p:nvPr>
+        </p:nvSpPr>
+        <p:spPr/>
+        <p:txBody>
+          <a:bodyPr vert="horz"/>
+          <a:lstStyle/>
+          <a:p>
+            <a:pPr lvl="0" rtl="0"/>
+            <a:r>
+              <a:rPr lang="en-US" dirty="0"/>
+              <a:t>Exercise 4: Restaurant</a:t>
+            </a:r>
+          </a:p>
+        </p:txBody>
+      </p:sp>
+      <p:sp>
+        <p:nvSpPr>
+          <p:cNvPr id="3" name="Text Placeholder 2">
+            <a:extLst>
+              <a:ext uri="{FF2B5EF4-FFF2-40B4-BE49-F238E27FC236}">
+                <a16:creationId xmlns:a16="http://schemas.microsoft.com/office/drawing/2014/main" id="{C7AE15B2-99DB-5D5B-F30A-CBB15FBF07F5}"/>
+              </a:ext>
+            </a:extLst>
+          </p:cNvPr>
+          <p:cNvSpPr txBox="1">
+            <a:spLocks noGrp="1"/>
+          </p:cNvSpPr>
+          <p:nvPr>
+            <p:ph type="body" idx="4294967295"/>
+          </p:nvPr>
+        </p:nvSpPr>
+        <p:spPr>
+          <a:xfrm>
+            <a:off x="311040" y="1439639"/>
+            <a:ext cx="9290160" cy="3818160"/>
+          </a:xfrm>
+        </p:spPr>
+        <p:txBody>
+          <a:bodyPr vert="horz"/>
+          <a:lstStyle/>
+          <a:p>
+            <a:pPr lvl="0" rtl="0">
+              <a:buClr>
+                <a:srgbClr val="009EDA"/>
+              </a:buClr>
+              <a:buSzPct val="45000"/>
+              <a:buFont typeface="OpenSymbol"/>
+              <a:buChar char="●"/>
+            </a:pPr>
+            <a:r>
+              <a:rPr lang="de-AT"/>
+              <a:t>Display a cost per item (before any discounts), a subtotal (before any discounts), a tax amount, a discount amount, and a grand total</a:t>
+            </a:r>
+          </a:p>
+          <a:p>
+            <a:pPr marL="0" lvl="1" indent="0" hangingPunct="0">
+              <a:spcBef>
+                <a:spcPts val="0"/>
+              </a:spcBef>
+              <a:spcAft>
+                <a:spcPts val="1052"/>
+              </a:spcAft>
+              <a:buClr>
+                <a:srgbClr val="009EDA"/>
+              </a:buClr>
+              <a:buSzPct val="45000"/>
+              <a:buFont typeface="OpenSymbol"/>
+              <a:buChar char="●"/>
+            </a:pPr>
+            <a:r>
+              <a:rPr lang="de-AT">
+                <a:latin typeface="Noto Sans" pitchFamily="2"/>
+              </a:rPr>
+              <a:t>Tax is 8%</a:t>
+            </a:r>
+          </a:p>
+          <a:p>
+            <a:pPr marL="0" lvl="1" indent="0" hangingPunct="0">
+              <a:spcBef>
+                <a:spcPts val="0"/>
+              </a:spcBef>
+              <a:spcAft>
+                <a:spcPts val="1052"/>
+              </a:spcAft>
+              <a:buClr>
+                <a:srgbClr val="009EDA"/>
+              </a:buClr>
+              <a:buSzPct val="45000"/>
+              <a:buFont typeface="OpenSymbol"/>
+              <a:buChar char="●"/>
+            </a:pPr>
+            <a:r>
+              <a:rPr lang="de-AT">
+                <a:latin typeface="Noto Sans" pitchFamily="2"/>
+              </a:rPr>
+              <a:t>Subtotal Includes tax</a:t>
+            </a:r>
+          </a:p>
+        </p:txBody>
+      </p:sp>
+    </p:spTree>
+  </p:cSld>
+  <p:clrMapOvr>
+    <a:masterClrMapping/>
+  </p:clrMapOvr>
+</p:sld>
+</file>
+
+<file path=ppt/slides/slide21.xml><?xml version="1.0" encoding="utf-8"?>
+<p:sld xmlns:a="http://schemas.openxmlformats.org/drawingml/2006/main" xmlns:r="http://schemas.openxmlformats.org/officeDocument/2006/relationships" xmlns:p="http://schemas.openxmlformats.org/presentationml/2006/main">
+  <p:cSld name="page14">
+    <p:spTree>
+      <p:nvGrpSpPr>
+        <p:cNvPr id="1" name=""/>
+        <p:cNvGrpSpPr/>
+        <p:nvPr/>
+      </p:nvGrpSpPr>
+      <p:grpSpPr>
+        <a:xfrm>
+          <a:off x="0" y="0"/>
+          <a:ext cx="0" cy="0"/>
+          <a:chOff x="0" y="0"/>
+          <a:chExt cx="0" cy="0"/>
+        </a:xfrm>
+      </p:grpSpPr>
+      <p:sp>
+        <p:nvSpPr>
+          <p:cNvPr id="2" name="Title 1">
+            <a:extLst>
+              <a:ext uri="{FF2B5EF4-FFF2-40B4-BE49-F238E27FC236}">
+                <a16:creationId xmlns:a16="http://schemas.microsoft.com/office/drawing/2014/main" id="{F27DADE6-39F1-18BC-0D38-16E5E39A1981}"/>
+              </a:ext>
+            </a:extLst>
+          </p:cNvPr>
+          <p:cNvSpPr txBox="1">
+            <a:spLocks noGrp="1"/>
+          </p:cNvSpPr>
+          <p:nvPr>
+            <p:ph type="title" idx="4294967295"/>
+          </p:nvPr>
+        </p:nvSpPr>
+        <p:spPr/>
+        <p:txBody>
+          <a:bodyPr vert="horz"/>
+          <a:lstStyle/>
+          <a:p>
+            <a:pPr lvl="0" rtl="0"/>
+            <a:r>
+              <a:rPr lang="en-US" dirty="0"/>
+              <a:t>EECS 169 Exercise 4: Restaurant</a:t>
+            </a:r>
+          </a:p>
+        </p:txBody>
+      </p:sp>
+      <p:sp>
+        <p:nvSpPr>
+          <p:cNvPr id="3" name="Text Placeholder 2">
+            <a:extLst>
+              <a:ext uri="{FF2B5EF4-FFF2-40B4-BE49-F238E27FC236}">
+                <a16:creationId xmlns:a16="http://schemas.microsoft.com/office/drawing/2014/main" id="{7760B254-ECFB-E0E3-E274-85BDE7C0F155}"/>
+              </a:ext>
+            </a:extLst>
+          </p:cNvPr>
+          <p:cNvSpPr txBox="1">
+            <a:spLocks noGrp="1"/>
+          </p:cNvSpPr>
+          <p:nvPr>
+            <p:ph type="body" idx="4294967295"/>
+          </p:nvPr>
+        </p:nvSpPr>
+        <p:spPr>
+          <a:xfrm>
+            <a:off x="311040" y="1439639"/>
+            <a:ext cx="9290160" cy="3818160"/>
+          </a:xfrm>
+        </p:spPr>
+        <p:txBody>
+          <a:bodyPr vert="horz"/>
+          <a:lstStyle/>
+          <a:p>
+            <a:pPr lvl="0" rtl="0">
+              <a:buClr>
+                <a:srgbClr val="009EDA"/>
+              </a:buClr>
+              <a:buSzPct val="45000"/>
+              <a:buFont typeface="OpenSymbol"/>
+              <a:buChar char="●"/>
+            </a:pPr>
+            <a:r>
+              <a:rPr lang="de-AT" dirty="0"/>
+              <a:t>You will open a restaurant that sells three items: Cold Pasta, Grilled Cheese, and Pie. Your restaurant will do the following:</a:t>
+            </a:r>
+          </a:p>
+          <a:p>
+            <a:pPr lvl="0" rtl="0">
+              <a:buClr>
+                <a:srgbClr val="009EDA"/>
+              </a:buClr>
+              <a:buSzPct val="45000"/>
+              <a:buFont typeface="OpenSymbol"/>
+              <a:buChar char="●"/>
+            </a:pPr>
+            <a:r>
+              <a:rPr lang="de-AT" dirty="0"/>
+              <a:t> Ask the user if they want Cold Pasta, Grilled Cheese, and Pie</a:t>
+            </a:r>
+          </a:p>
+          <a:p>
+            <a:pPr marL="0" lvl="1" indent="0" hangingPunct="0">
+              <a:spcBef>
+                <a:spcPts val="0"/>
+              </a:spcBef>
+              <a:spcAft>
+                <a:spcPts val="1052"/>
+              </a:spcAft>
+              <a:buClr>
+                <a:srgbClr val="009EDA"/>
+              </a:buClr>
+              <a:buSzPct val="45000"/>
+              <a:buFont typeface="OpenSymbol"/>
+              <a:buChar char="●"/>
+            </a:pPr>
+            <a:r>
+              <a:rPr lang="de-AT" dirty="0">
+                <a:latin typeface="Noto Sans" pitchFamily="2"/>
+              </a:rPr>
+              <a:t>In all cases, you are prompting them for a yes/no answer. For yes they can type 'y' or 'Y', and for no they can type 'n' or 'N'</a:t>
+            </a:r>
+          </a:p>
+          <a:p>
+            <a:pPr marL="0" lvl="1" indent="0" hangingPunct="0">
+              <a:spcBef>
+                <a:spcPts val="0"/>
+              </a:spcBef>
+              <a:spcAft>
+                <a:spcPts val="1052"/>
+              </a:spcAft>
+              <a:buClr>
+                <a:srgbClr val="009EDA"/>
+              </a:buClr>
+              <a:buSzPct val="45000"/>
+              <a:buFont typeface="OpenSymbol"/>
+              <a:buChar char="●"/>
+            </a:pPr>
+            <a:r>
+              <a:rPr lang="de-AT" dirty="0">
+                <a:latin typeface="Noto Sans" pitchFamily="2"/>
+              </a:rPr>
+              <a:t>If they want an item, find out how many</a:t>
+            </a:r>
+          </a:p>
+          <a:p>
+            <a:pPr marL="0" lvl="1" indent="0" hangingPunct="0">
+              <a:spcBef>
+                <a:spcPts val="0"/>
+              </a:spcBef>
+              <a:spcAft>
+                <a:spcPts val="1052"/>
+              </a:spcAft>
+              <a:buClr>
+                <a:srgbClr val="009EDA"/>
+              </a:buClr>
+              <a:buSzPct val="45000"/>
+              <a:buFont typeface="OpenSymbol"/>
+              <a:buChar char="●"/>
+            </a:pPr>
+            <a:r>
+              <a:rPr lang="de-AT" dirty="0">
+                <a:latin typeface="Noto Sans" pitchFamily="2"/>
+              </a:rPr>
+              <a:t>The user must not be allowed to order less than zero of an item, if they do, simply set the amount they order to zero.</a:t>
+            </a:r>
+          </a:p>
+        </p:txBody>
+      </p:sp>
+    </p:spTree>
+  </p:cSld>
+  <p:clrMapOvr>
+    <a:masterClrMapping/>
+  </p:clrMapOvr>
+</p:sld>
+</file>
+
+<file path=ppt/slides/slide22.xml><?xml version="1.0" encoding="utf-8"?>
+<p:sld xmlns:a="http://schemas.openxmlformats.org/drawingml/2006/main" xmlns:r="http://schemas.openxmlformats.org/officeDocument/2006/relationships" xmlns:p="http://schemas.openxmlformats.org/presentationml/2006/main">
   <p:cSld name="page15">
     <p:spTree>
       <p:nvGrpSpPr>
@@ -17651,7 +17916,7 @@
 </p:sld>
 </file>
 
-<file path=ppt/slides/slide21.xml><?xml version="1.0" encoding="utf-8"?>
+<file path=ppt/slides/slide23.xml><?xml version="1.0" encoding="utf-8"?>
 <p:sld xmlns:a="http://schemas.openxmlformats.org/drawingml/2006/main" xmlns:r="http://schemas.openxmlformats.org/officeDocument/2006/relationships" xmlns:p="http://schemas.openxmlformats.org/presentationml/2006/main">
   <p:cSld name="page17">
     <p:spTree>
@@ -17771,7 +18036,7 @@
 </p:sld>
 </file>
 
-<file path=ppt/slides/slide22.xml><?xml version="1.0" encoding="utf-8"?>
+<file path=ppt/slides/slide24.xml><?xml version="1.0" encoding="utf-8"?>
 <p:sld xmlns:a="http://schemas.openxmlformats.org/drawingml/2006/main" xmlns:r="http://schemas.openxmlformats.org/officeDocument/2006/relationships" xmlns:p="http://schemas.openxmlformats.org/presentationml/2006/main">
   <p:cSld name="page18">
     <p:spTree>
@@ -17959,7 +18224,7 @@
 </p:sld>
 </file>
 
-<file path=ppt/slides/slide23.xml><?xml version="1.0" encoding="utf-8"?>
+<file path=ppt/slides/slide25.xml><?xml version="1.0" encoding="utf-8"?>
 <p:sld xmlns:a="http://schemas.openxmlformats.org/drawingml/2006/main" xmlns:r="http://schemas.openxmlformats.org/officeDocument/2006/relationships" xmlns:p="http://schemas.openxmlformats.org/presentationml/2006/main">
   <p:cSld name="page21">
     <p:spTree>
